--- a/Exam/cse220-19-exam-review.pptx
+++ b/Exam/cse220-19-exam-review.pptx
@@ -124,6 +124,11 @@
       </a:defRPr>
     </a:lvl9pPr>
   </p:defaultTextStyle>
+  <p:extLst>
+    <p:ext uri="{EFAFB233-063F-42B5-8137-9DF3F51BA10A}">
+      <p15:sldGuideLst xmlns:p15="http://schemas.microsoft.com/office/powerpoint/2012/main"/>
+    </p:ext>
+  </p:extLst>
 </p:presentation>
 </file>
 
@@ -209,7 +214,7 @@
           <a:p>
             <a:fld id="{C3E5E4C1-29D8-C042-88F5-0A7FCF40B137}" type="datetimeFigureOut">
               <a:rPr lang="en-US" smtClean="0"/>
-              <a:t>11/8/20</a:t>
+              <a:t>11/9/20</a:t>
             </a:fld>
             <a:endParaRPr lang="en-US"/>
           </a:p>
@@ -683,7 +688,7 @@
           <a:p>
             <a:fld id="{A4BA880C-9101-8349-9B80-E35DC4290B49}" type="datetime1">
               <a:rPr lang="en-US" smtClean="0"/>
-              <a:t>11/8/20</a:t>
+              <a:t>11/9/20</a:t>
             </a:fld>
             <a:endParaRPr lang="en-US"/>
           </a:p>
@@ -880,7 +885,7 @@
           <a:p>
             <a:fld id="{0F0B318C-286B-EF49-A981-608A1C4068A3}" type="datetime1">
               <a:rPr lang="en-US" smtClean="0"/>
-              <a:t>11/8/20</a:t>
+              <a:t>11/9/20</a:t>
             </a:fld>
             <a:endParaRPr lang="en-US"/>
           </a:p>
@@ -1060,7 +1065,7 @@
           <a:p>
             <a:fld id="{3BFAB37A-13A9-4E44-8461-ABC5A71B327A}" type="datetime1">
               <a:rPr lang="en-US" smtClean="0"/>
-              <a:t>11/8/20</a:t>
+              <a:t>11/9/20</a:t>
             </a:fld>
             <a:endParaRPr lang="en-US"/>
           </a:p>
@@ -1251,7 +1256,7 @@
           <a:p>
             <a:fld id="{7D670E5F-A203-364D-B317-7E763E912619}" type="datetime1">
               <a:rPr lang="en-US" smtClean="0"/>
-              <a:t>11/8/20</a:t>
+              <a:t>11/9/20</a:t>
             </a:fld>
             <a:endParaRPr lang="en-US"/>
           </a:p>
@@ -1505,7 +1510,7 @@
           <a:p>
             <a:fld id="{61466F9E-8D23-0146-8461-2CF871582288}" type="datetime1">
               <a:rPr lang="en-US" smtClean="0"/>
-              <a:t>11/8/20</a:t>
+              <a:t>11/9/20</a:t>
             </a:fld>
             <a:endParaRPr lang="en-US"/>
           </a:p>
@@ -1836,7 +1841,7 @@
           <a:p>
             <a:fld id="{0D7926BF-5D08-2043-9120-6103D3FCCC5F}" type="datetime1">
               <a:rPr lang="en-US" smtClean="0"/>
-              <a:t>11/8/20</a:t>
+              <a:t>11/9/20</a:t>
             </a:fld>
             <a:endParaRPr lang="en-US"/>
           </a:p>
@@ -2256,7 +2261,7 @@
           <a:p>
             <a:fld id="{0F1AA372-EF3D-0F48-BC10-7B1734AA830A}" type="datetime1">
               <a:rPr lang="en-US" smtClean="0"/>
-              <a:t>11/8/20</a:t>
+              <a:t>11/9/20</a:t>
             </a:fld>
             <a:endParaRPr lang="en-US"/>
           </a:p>
@@ -2374,7 +2379,7 @@
           <a:p>
             <a:fld id="{931DBCF8-C7E5-2943-B3BF-C2412B8DF6D3}" type="datetime1">
               <a:rPr lang="en-US" smtClean="0"/>
-              <a:t>11/8/20</a:t>
+              <a:t>11/9/20</a:t>
             </a:fld>
             <a:endParaRPr lang="en-US"/>
           </a:p>
@@ -2469,7 +2474,7 @@
           <a:p>
             <a:fld id="{CFCB8200-11B1-DB4E-A48D-92011D01603A}" type="datetime1">
               <a:rPr lang="en-US" smtClean="0"/>
-              <a:t>11/8/20</a:t>
+              <a:t>11/9/20</a:t>
             </a:fld>
             <a:endParaRPr lang="en-US"/>
           </a:p>
@@ -2761,7 +2766,7 @@
           <a:p>
             <a:fld id="{B6CCF999-F6E5-6140-8F71-D4898F714B6F}" type="datetime1">
               <a:rPr lang="en-US" smtClean="0"/>
-              <a:t>11/8/20</a:t>
+              <a:t>11/9/20</a:t>
             </a:fld>
             <a:endParaRPr lang="en-US"/>
           </a:p>
@@ -3091,7 +3096,7 @@
           <a:p>
             <a:fld id="{42F3B76C-BF32-8846-BB55-09D50DA1B54B}" type="datetime1">
               <a:rPr lang="en-US" smtClean="0"/>
-              <a:t>11/8/20</a:t>
+              <a:t>11/9/20</a:t>
             </a:fld>
             <a:endParaRPr lang="en-US"/>
           </a:p>
@@ -3345,7 +3350,7 @@
           <a:p>
             <a:fld id="{07D4A350-95F2-5C44-9623-133F8B7859F7}" type="datetime1">
               <a:rPr lang="en-US" smtClean="0"/>
-              <a:t>11/8/20</a:t>
+              <a:t>11/9/20</a:t>
             </a:fld>
             <a:endParaRPr lang="en-US"/>
           </a:p>
@@ -5133,10 +5138,6 @@
           </a:p>
           <a:p>
             <a:pPr lvl="1"/>
-            <a:r>
-              <a:rPr lang="zh-CN" altLang="en-US" sz="1850" dirty="0"/>
-              <a:t> </a:t>
-            </a:r>
             <a:r>
               <a:rPr lang="en-US" altLang="zh-CN" sz="1850" dirty="0"/>
               <a:t>Remind</a:t>
